--- a/Obhajoba_KAL0266.pptx
+++ b/Obhajoba_KAL0266.pptx
@@ -247,7 +247,7 @@
           <a:p>
             <a:fld id="{A70746FA-9F78-5A43-BFD1-03D27A7F3C92}" type="datetimeFigureOut">
               <a:rPr lang="cs-CZ" smtClean="0"/>
-              <a:t>20.07.2023</a:t>
+              <a:t>26.07.2023</a:t>
             </a:fld>
             <a:endParaRPr lang="cs-CZ"/>
           </a:p>
@@ -425,7 +425,7 @@
           <a:p>
             <a:fld id="{D092D10F-BC7E-0545-A8D3-D708044527A6}" type="datetimeFigureOut">
               <a:rPr lang="cs-CZ" smtClean="0"/>
-              <a:t>20.07.2023</a:t>
+              <a:t>26.07.2023</a:t>
             </a:fld>
             <a:endParaRPr lang="cs-CZ"/>
           </a:p>
@@ -12153,7 +12153,7 @@
             </a:pPr>
             <a:r>
               <a:rPr lang="cs-CZ" dirty="0"/>
-              <a:t>Naimplementovány a popsány oba uváděné algoritmy</a:t>
+              <a:t>Naimplementovány a popsány oba algoritmy</a:t>
             </a:r>
           </a:p>
           <a:p>
@@ -12163,80 +12163,13 @@
             </a:pPr>
             <a:r>
               <a:rPr lang="cs-CZ" dirty="0"/>
-              <a:t>Porovnány oba algoritmy z pohledu jejich přístupů a funkcionality</a:t>
-            </a:r>
-          </a:p>
-          <a:p>
-            <a:pPr marL="342900" indent="-342900">
-              <a:buFont typeface="Arial" panose="020B0604020202020204" pitchFamily="34" charset="0"/>
-              <a:buChar char="•"/>
+              <a:t>Porovnány algoritmy z pohledu jejich přístupů a funkcionality</a:t>
+            </a:r>
+          </a:p>
+          <a:p>
+            <a:pPr lvl="1" indent="0">
+              <a:buNone/>
             </a:pPr>
-            <a:r>
-              <a:rPr lang="cs-CZ" dirty="0"/>
-              <a:t>Genetické algoritmy</a:t>
-            </a:r>
-          </a:p>
-          <a:p>
-            <a:pPr marL="1028700" lvl="1" indent="-342900"/>
-            <a:r>
-              <a:rPr lang="cs-CZ" dirty="0"/>
-              <a:t> Optimalizace</a:t>
-            </a:r>
-          </a:p>
-          <a:p>
-            <a:pPr marL="1028700" lvl="1" indent="-342900"/>
-            <a:r>
-              <a:rPr lang="cs-CZ" dirty="0"/>
-              <a:t> Procházení široké množiny řešení</a:t>
-            </a:r>
-          </a:p>
-          <a:p>
-            <a:pPr marL="1028700" lvl="1" indent="-342900"/>
-            <a:r>
-              <a:rPr lang="cs-CZ" dirty="0"/>
-              <a:t> ladění a testování parametrů</a:t>
-            </a:r>
-          </a:p>
-          <a:p>
-            <a:pPr marL="1028700" lvl="1" indent="-342900"/>
-            <a:r>
-              <a:rPr lang="cs-CZ" dirty="0"/>
-              <a:t> časová a výpočetní náročnost</a:t>
-            </a:r>
-          </a:p>
-          <a:p>
-            <a:pPr marL="342900" indent="-342900">
-              <a:buFont typeface="Arial" panose="020B0604020202020204" pitchFamily="34" charset="0"/>
-              <a:buChar char="•"/>
-            </a:pPr>
-            <a:r>
-              <a:rPr lang="cs-CZ" dirty="0"/>
-              <a:t>Symbolická reprezentace znalostí</a:t>
-            </a:r>
-          </a:p>
-          <a:p>
-            <a:pPr marL="1028700" lvl="1" indent="-342900"/>
-            <a:r>
-              <a:rPr lang="cs-CZ" dirty="0"/>
-              <a:t> čitelnost a pochopitelnost</a:t>
-            </a:r>
-          </a:p>
-          <a:p>
-            <a:pPr marL="1028700" lvl="1" indent="-342900"/>
-            <a:r>
-              <a:rPr lang="cs-CZ" dirty="0"/>
-              <a:t> popis pomocí symbolického zápisu</a:t>
-            </a:r>
-          </a:p>
-          <a:p>
-            <a:pPr marL="1028700" lvl="1" indent="-342900"/>
-            <a:r>
-              <a:rPr lang="cs-CZ" dirty="0"/>
-              <a:t> šum v datech</a:t>
-            </a:r>
-          </a:p>
-          <a:p>
-            <a:pPr marL="1028700" lvl="1" indent="-342900"/>
             <a:endParaRPr lang="cs-CZ" dirty="0"/>
           </a:p>
           <a:p>
@@ -12248,6 +12181,705 @@
           </a:p>
         </p:txBody>
       </p:sp>
+      <p:graphicFrame>
+        <p:nvGraphicFramePr>
+          <p:cNvPr id="10" name="Tabulka 9">
+            <a:extLst>
+              <a:ext uri="{FF2B5EF4-FFF2-40B4-BE49-F238E27FC236}">
+                <a16:creationId xmlns:a16="http://schemas.microsoft.com/office/drawing/2014/main" id="{D33FF67E-4008-2544-D68A-8E16F02D8404}"/>
+              </a:ext>
+            </a:extLst>
+          </p:cNvPr>
+          <p:cNvGraphicFramePr>
+            <a:graphicFrameLocks noGrp="1"/>
+          </p:cNvGraphicFramePr>
+          <p:nvPr>
+            <p:extLst>
+              <p:ext uri="{D42A27DB-BD31-4B8C-83A1-F6EECF244321}">
+                <p14:modId xmlns:p14="http://schemas.microsoft.com/office/powerpoint/2010/main" val="2719250108"/>
+              </p:ext>
+            </p:extLst>
+          </p:nvPr>
+        </p:nvGraphicFramePr>
+        <p:xfrm>
+          <a:off x="690053" y="2890603"/>
+          <a:ext cx="10759402" cy="3348488"/>
+        </p:xfrm>
+        <a:graphic>
+          <a:graphicData uri="http://schemas.openxmlformats.org/drawingml/2006/table">
+            <a:tbl>
+              <a:tblPr>
+                <a:tableStyleId>{5C22544A-7EE6-4342-B048-85BDC9FD1C3A}</a:tableStyleId>
+              </a:tblPr>
+              <a:tblGrid>
+                <a:gridCol w="1266566">
+                  <a:extLst>
+                    <a:ext uri="{9D8B030D-6E8A-4147-A177-3AD203B41FA5}">
+                      <a16:colId xmlns:a16="http://schemas.microsoft.com/office/drawing/2014/main" val="3836867779"/>
+                    </a:ext>
+                  </a:extLst>
+                </a:gridCol>
+                <a:gridCol w="4680155">
+                  <a:extLst>
+                    <a:ext uri="{9D8B030D-6E8A-4147-A177-3AD203B41FA5}">
+                      <a16:colId xmlns:a16="http://schemas.microsoft.com/office/drawing/2014/main" val="2583748919"/>
+                    </a:ext>
+                  </a:extLst>
+                </a:gridCol>
+                <a:gridCol w="4812681">
+                  <a:extLst>
+                    <a:ext uri="{9D8B030D-6E8A-4147-A177-3AD203B41FA5}">
+                      <a16:colId xmlns:a16="http://schemas.microsoft.com/office/drawing/2014/main" val="596478261"/>
+                    </a:ext>
+                  </a:extLst>
+                </a:gridCol>
+              </a:tblGrid>
+              <a:tr h="315079">
+                <a:tc>
+                  <a:txBody>
+                    <a:bodyPr/>
+                    <a:lstStyle/>
+                    <a:p>
+                      <a:endParaRPr lang="cs-CZ" dirty="0">
+                        <a:solidFill>
+                          <a:schemeClr val="tx1"/>
+                        </a:solidFill>
+                      </a:endParaRPr>
+                    </a:p>
+                  </a:txBody>
+                  <a:tcPr>
+                    <a:lnL w="12700" cap="flat" cmpd="sng" algn="ctr">
+                      <a:solidFill>
+                        <a:schemeClr val="tx1"/>
+                      </a:solidFill>
+                      <a:prstDash val="solid"/>
+                      <a:round/>
+                      <a:headEnd type="none" w="med" len="med"/>
+                      <a:tailEnd type="none" w="med" len="med"/>
+                    </a:lnL>
+                    <a:lnR w="12700" cap="flat" cmpd="sng" algn="ctr">
+                      <a:solidFill>
+                        <a:schemeClr val="tx1"/>
+                      </a:solidFill>
+                      <a:prstDash val="solid"/>
+                      <a:round/>
+                      <a:headEnd type="none" w="med" len="med"/>
+                      <a:tailEnd type="none" w="med" len="med"/>
+                    </a:lnR>
+                    <a:lnT w="12700" cap="flat" cmpd="sng" algn="ctr">
+                      <a:solidFill>
+                        <a:schemeClr val="tx1"/>
+                      </a:solidFill>
+                      <a:prstDash val="solid"/>
+                      <a:round/>
+                      <a:headEnd type="none" w="med" len="med"/>
+                      <a:tailEnd type="none" w="med" len="med"/>
+                    </a:lnT>
+                    <a:lnB w="12700" cap="flat" cmpd="sng" algn="ctr">
+                      <a:solidFill>
+                        <a:schemeClr val="tx1"/>
+                      </a:solidFill>
+                      <a:prstDash val="solid"/>
+                      <a:round/>
+                      <a:headEnd type="none" w="med" len="med"/>
+                      <a:tailEnd type="none" w="med" len="med"/>
+                    </a:lnB>
+                    <a:noFill/>
+                  </a:tcPr>
+                </a:tc>
+                <a:tc>
+                  <a:txBody>
+                    <a:bodyPr/>
+                    <a:lstStyle/>
+                    <a:p>
+                      <a:pPr algn="ctr"/>
+                      <a:r>
+                        <a:rPr lang="cs-CZ" sz="2000" dirty="0">
+                          <a:solidFill>
+                            <a:schemeClr val="tx1"/>
+                          </a:solidFill>
+                        </a:rPr>
+                        <a:t>Symbolická reprezentace znalostí </a:t>
+                      </a:r>
+                    </a:p>
+                  </a:txBody>
+                  <a:tcPr>
+                    <a:lnL w="12700" cap="flat" cmpd="sng" algn="ctr">
+                      <a:solidFill>
+                        <a:schemeClr val="tx1"/>
+                      </a:solidFill>
+                      <a:prstDash val="solid"/>
+                      <a:round/>
+                      <a:headEnd type="none" w="med" len="med"/>
+                      <a:tailEnd type="none" w="med" len="med"/>
+                    </a:lnL>
+                    <a:lnR w="12700" cap="flat" cmpd="sng" algn="ctr">
+                      <a:solidFill>
+                        <a:schemeClr val="tx1"/>
+                      </a:solidFill>
+                      <a:prstDash val="solid"/>
+                      <a:round/>
+                      <a:headEnd type="none" w="med" len="med"/>
+                      <a:tailEnd type="none" w="med" len="med"/>
+                    </a:lnR>
+                    <a:lnT w="12700" cap="flat" cmpd="sng" algn="ctr">
+                      <a:solidFill>
+                        <a:schemeClr val="tx1"/>
+                      </a:solidFill>
+                      <a:prstDash val="solid"/>
+                      <a:round/>
+                      <a:headEnd type="none" w="med" len="med"/>
+                      <a:tailEnd type="none" w="med" len="med"/>
+                    </a:lnT>
+                    <a:lnB w="12700" cap="flat" cmpd="sng" algn="ctr">
+                      <a:solidFill>
+                        <a:schemeClr val="tx1"/>
+                      </a:solidFill>
+                      <a:prstDash val="solid"/>
+                      <a:round/>
+                      <a:headEnd type="none" w="med" len="med"/>
+                      <a:tailEnd type="none" w="med" len="med"/>
+                    </a:lnB>
+                    <a:noFill/>
+                  </a:tcPr>
+                </a:tc>
+                <a:tc>
+                  <a:txBody>
+                    <a:bodyPr/>
+                    <a:lstStyle/>
+                    <a:p>
+                      <a:pPr algn="ctr"/>
+                      <a:r>
+                        <a:rPr lang="cs-CZ" sz="2000" dirty="0">
+                          <a:solidFill>
+                            <a:schemeClr val="tx1"/>
+                          </a:solidFill>
+                        </a:rPr>
+                        <a:t>Genetické algoritmy</a:t>
+                      </a:r>
+                    </a:p>
+                  </a:txBody>
+                  <a:tcPr>
+                    <a:lnL w="12700" cap="flat" cmpd="sng" algn="ctr">
+                      <a:solidFill>
+                        <a:schemeClr val="tx1"/>
+                      </a:solidFill>
+                      <a:prstDash val="solid"/>
+                      <a:round/>
+                      <a:headEnd type="none" w="med" len="med"/>
+                      <a:tailEnd type="none" w="med" len="med"/>
+                    </a:lnL>
+                    <a:lnR w="12700" cap="flat" cmpd="sng" algn="ctr">
+                      <a:solidFill>
+                        <a:schemeClr val="tx1"/>
+                      </a:solidFill>
+                      <a:prstDash val="solid"/>
+                      <a:round/>
+                      <a:headEnd type="none" w="med" len="med"/>
+                      <a:tailEnd type="none" w="med" len="med"/>
+                    </a:lnR>
+                    <a:lnT w="12700" cap="flat" cmpd="sng" algn="ctr">
+                      <a:solidFill>
+                        <a:schemeClr val="tx1"/>
+                      </a:solidFill>
+                      <a:prstDash val="solid"/>
+                      <a:round/>
+                      <a:headEnd type="none" w="med" len="med"/>
+                      <a:tailEnd type="none" w="med" len="med"/>
+                    </a:lnT>
+                    <a:lnB w="12700" cap="flat" cmpd="sng" algn="ctr">
+                      <a:solidFill>
+                        <a:schemeClr val="tx1"/>
+                      </a:solidFill>
+                      <a:prstDash val="solid"/>
+                      <a:round/>
+                      <a:headEnd type="none" w="med" len="med"/>
+                      <a:tailEnd type="none" w="med" len="med"/>
+                    </a:lnB>
+                    <a:noFill/>
+                  </a:tcPr>
+                </a:tc>
+                <a:extLst>
+                  <a:ext uri="{0D108BD9-81ED-4DB2-BD59-A6C34878D82A}">
+                    <a16:rowId xmlns:a16="http://schemas.microsoft.com/office/drawing/2014/main" val="3908099575"/>
+                  </a:ext>
+                </a:extLst>
+              </a:tr>
+              <a:tr h="1243052">
+                <a:tc>
+                  <a:txBody>
+                    <a:bodyPr/>
+                    <a:lstStyle/>
+                    <a:p>
+                      <a:pPr algn="ctr"/>
+                      <a:r>
+                        <a:rPr lang="cs-CZ" sz="2000" b="1" dirty="0">
+                          <a:solidFill>
+                            <a:schemeClr val="tx1"/>
+                          </a:solidFill>
+                        </a:rPr>
+                        <a:t>Výhody</a:t>
+                      </a:r>
+                    </a:p>
+                  </a:txBody>
+                  <a:tcPr>
+                    <a:lnL w="12700" cap="flat" cmpd="sng" algn="ctr">
+                      <a:solidFill>
+                        <a:schemeClr val="tx1"/>
+                      </a:solidFill>
+                      <a:prstDash val="solid"/>
+                      <a:round/>
+                      <a:headEnd type="none" w="med" len="med"/>
+                      <a:tailEnd type="none" w="med" len="med"/>
+                    </a:lnL>
+                    <a:lnR w="12700" cap="flat" cmpd="sng" algn="ctr">
+                      <a:solidFill>
+                        <a:schemeClr val="tx1"/>
+                      </a:solidFill>
+                      <a:prstDash val="solid"/>
+                      <a:round/>
+                      <a:headEnd type="none" w="med" len="med"/>
+                      <a:tailEnd type="none" w="med" len="med"/>
+                    </a:lnR>
+                    <a:lnT w="12700" cap="flat" cmpd="sng" algn="ctr">
+                      <a:solidFill>
+                        <a:schemeClr val="tx1"/>
+                      </a:solidFill>
+                      <a:prstDash val="solid"/>
+                      <a:round/>
+                      <a:headEnd type="none" w="med" len="med"/>
+                      <a:tailEnd type="none" w="med" len="med"/>
+                    </a:lnT>
+                    <a:lnB w="12700" cap="flat" cmpd="sng" algn="ctr">
+                      <a:solidFill>
+                        <a:schemeClr val="tx1"/>
+                      </a:solidFill>
+                      <a:prstDash val="solid"/>
+                      <a:round/>
+                      <a:headEnd type="none" w="med" len="med"/>
+                      <a:tailEnd type="none" w="med" len="med"/>
+                    </a:lnB>
+                    <a:noFill/>
+                  </a:tcPr>
+                </a:tc>
+                <a:tc>
+                  <a:txBody>
+                    <a:bodyPr/>
+                    <a:lstStyle/>
+                    <a:p>
+                      <a:pPr marL="285750" indent="-285750">
+                        <a:buFont typeface="Arial" panose="020B0604020202020204" pitchFamily="34" charset="0"/>
+                        <a:buChar char="•"/>
+                      </a:pPr>
+                      <a:r>
+                        <a:rPr lang="cs-CZ" dirty="0">
+                          <a:solidFill>
+                            <a:schemeClr val="tx1"/>
+                          </a:solidFill>
+                        </a:rPr>
+                        <a:t>Jednoduchá interpretovatelnost (čitelnost, pochopitelnost)</a:t>
+                      </a:r>
+                    </a:p>
+                    <a:p>
+                      <a:pPr marL="285750" indent="-285750">
+                        <a:buFont typeface="Arial" panose="020B0604020202020204" pitchFamily="34" charset="0"/>
+                        <a:buChar char="•"/>
+                      </a:pPr>
+                      <a:r>
+                        <a:rPr lang="cs-CZ" dirty="0">
+                          <a:solidFill>
+                            <a:schemeClr val="tx1"/>
+                          </a:solidFill>
+                        </a:rPr>
+                        <a:t>Symbolický zápis</a:t>
+                      </a:r>
+                    </a:p>
+                  </a:txBody>
+                  <a:tcPr>
+                    <a:lnL w="12700" cap="flat" cmpd="sng" algn="ctr">
+                      <a:solidFill>
+                        <a:schemeClr val="tx1"/>
+                      </a:solidFill>
+                      <a:prstDash val="solid"/>
+                      <a:round/>
+                      <a:headEnd type="none" w="med" len="med"/>
+                      <a:tailEnd type="none" w="med" len="med"/>
+                    </a:lnL>
+                    <a:lnR w="12700" cap="flat" cmpd="sng" algn="ctr">
+                      <a:solidFill>
+                        <a:schemeClr val="tx1"/>
+                      </a:solidFill>
+                      <a:prstDash val="solid"/>
+                      <a:round/>
+                      <a:headEnd type="none" w="med" len="med"/>
+                      <a:tailEnd type="none" w="med" len="med"/>
+                    </a:lnR>
+                    <a:lnT w="12700" cap="flat" cmpd="sng" algn="ctr">
+                      <a:solidFill>
+                        <a:schemeClr val="tx1"/>
+                      </a:solidFill>
+                      <a:prstDash val="solid"/>
+                      <a:round/>
+                      <a:headEnd type="none" w="med" len="med"/>
+                      <a:tailEnd type="none" w="med" len="med"/>
+                    </a:lnT>
+                    <a:lnB w="12700" cap="flat" cmpd="sng" algn="ctr">
+                      <a:solidFill>
+                        <a:schemeClr val="tx1"/>
+                      </a:solidFill>
+                      <a:prstDash val="solid"/>
+                      <a:round/>
+                      <a:headEnd type="none" w="med" len="med"/>
+                      <a:tailEnd type="none" w="med" len="med"/>
+                    </a:lnB>
+                    <a:noFill/>
+                  </a:tcPr>
+                </a:tc>
+                <a:tc>
+                  <a:txBody>
+                    <a:bodyPr/>
+                    <a:lstStyle/>
+                    <a:p>
+                      <a:pPr marL="285750" indent="-285750">
+                        <a:buFont typeface="Arial" panose="020B0604020202020204" pitchFamily="34" charset="0"/>
+                        <a:buChar char="•"/>
+                      </a:pPr>
+                      <a:r>
+                        <a:rPr lang="cs-CZ" dirty="0">
+                          <a:solidFill>
+                            <a:schemeClr val="tx1"/>
+                          </a:solidFill>
+                        </a:rPr>
+                        <a:t>Optimalizace</a:t>
+                      </a:r>
+                    </a:p>
+                    <a:p>
+                      <a:pPr marL="285750" indent="-285750">
+                        <a:buFont typeface="Arial" panose="020B0604020202020204" pitchFamily="34" charset="0"/>
+                        <a:buChar char="•"/>
+                      </a:pPr>
+                      <a:r>
+                        <a:rPr lang="cs-CZ" dirty="0">
+                          <a:solidFill>
+                            <a:schemeClr val="tx1"/>
+                          </a:solidFill>
+                        </a:rPr>
+                        <a:t>Paralelizace</a:t>
+                      </a:r>
+                    </a:p>
+                    <a:p>
+                      <a:pPr marL="285750" indent="-285750">
+                        <a:buFont typeface="Arial" panose="020B0604020202020204" pitchFamily="34" charset="0"/>
+                        <a:buChar char="•"/>
+                      </a:pPr>
+                      <a:r>
+                        <a:rPr lang="cs-CZ" dirty="0">
+                          <a:solidFill>
+                            <a:schemeClr val="tx1"/>
+                          </a:solidFill>
+                        </a:rPr>
+                        <a:t>Procházení široké množiny řešení</a:t>
+                      </a:r>
+                    </a:p>
+                    <a:p>
+                      <a:pPr marL="0" indent="0">
+                        <a:buFont typeface="Arial" panose="020B0604020202020204" pitchFamily="34" charset="0"/>
+                        <a:buNone/>
+                      </a:pPr>
+                      <a:endParaRPr lang="cs-CZ" dirty="0">
+                        <a:solidFill>
+                          <a:schemeClr val="tx1"/>
+                        </a:solidFill>
+                      </a:endParaRPr>
+                    </a:p>
+                  </a:txBody>
+                  <a:tcPr>
+                    <a:lnL w="12700" cap="flat" cmpd="sng" algn="ctr">
+                      <a:solidFill>
+                        <a:schemeClr val="tx1"/>
+                      </a:solidFill>
+                      <a:prstDash val="solid"/>
+                      <a:round/>
+                      <a:headEnd type="none" w="med" len="med"/>
+                      <a:tailEnd type="none" w="med" len="med"/>
+                    </a:lnL>
+                    <a:lnR w="12700" cap="flat" cmpd="sng" algn="ctr">
+                      <a:solidFill>
+                        <a:schemeClr val="tx1"/>
+                      </a:solidFill>
+                      <a:prstDash val="solid"/>
+                      <a:round/>
+                      <a:headEnd type="none" w="med" len="med"/>
+                      <a:tailEnd type="none" w="med" len="med"/>
+                    </a:lnR>
+                    <a:lnT w="12700" cap="flat" cmpd="sng" algn="ctr">
+                      <a:solidFill>
+                        <a:schemeClr val="tx1"/>
+                      </a:solidFill>
+                      <a:prstDash val="solid"/>
+                      <a:round/>
+                      <a:headEnd type="none" w="med" len="med"/>
+                      <a:tailEnd type="none" w="med" len="med"/>
+                    </a:lnT>
+                    <a:lnB w="12700" cap="flat" cmpd="sng" algn="ctr">
+                      <a:solidFill>
+                        <a:schemeClr val="tx1"/>
+                      </a:solidFill>
+                      <a:prstDash val="solid"/>
+                      <a:round/>
+                      <a:headEnd type="none" w="med" len="med"/>
+                      <a:tailEnd type="none" w="med" len="med"/>
+                    </a:lnB>
+                    <a:noFill/>
+                  </a:tcPr>
+                </a:tc>
+                <a:extLst>
+                  <a:ext uri="{0D108BD9-81ED-4DB2-BD59-A6C34878D82A}">
+                    <a16:rowId xmlns:a16="http://schemas.microsoft.com/office/drawing/2014/main" val="4183867470"/>
+                  </a:ext>
+                </a:extLst>
+              </a:tr>
+              <a:tr h="1709196">
+                <a:tc>
+                  <a:txBody>
+                    <a:bodyPr/>
+                    <a:lstStyle/>
+                    <a:p>
+                      <a:pPr algn="ctr"/>
+                      <a:r>
+                        <a:rPr lang="cs-CZ" sz="2000" b="1" dirty="0">
+                          <a:solidFill>
+                            <a:schemeClr val="tx1"/>
+                          </a:solidFill>
+                        </a:rPr>
+                        <a:t>Nevýhody</a:t>
+                      </a:r>
+                    </a:p>
+                  </a:txBody>
+                  <a:tcPr>
+                    <a:lnL w="12700" cap="flat" cmpd="sng" algn="ctr">
+                      <a:solidFill>
+                        <a:schemeClr val="tx1"/>
+                      </a:solidFill>
+                      <a:prstDash val="solid"/>
+                      <a:round/>
+                      <a:headEnd type="none" w="med" len="med"/>
+                      <a:tailEnd type="none" w="med" len="med"/>
+                    </a:lnL>
+                    <a:lnR w="12700" cap="flat" cmpd="sng" algn="ctr">
+                      <a:solidFill>
+                        <a:schemeClr val="tx1"/>
+                      </a:solidFill>
+                      <a:prstDash val="solid"/>
+                      <a:round/>
+                      <a:headEnd type="none" w="med" len="med"/>
+                      <a:tailEnd type="none" w="med" len="med"/>
+                    </a:lnR>
+                    <a:lnT w="12700" cap="flat" cmpd="sng" algn="ctr">
+                      <a:solidFill>
+                        <a:schemeClr val="tx1"/>
+                      </a:solidFill>
+                      <a:prstDash val="solid"/>
+                      <a:round/>
+                      <a:headEnd type="none" w="med" len="med"/>
+                      <a:tailEnd type="none" w="med" len="med"/>
+                    </a:lnT>
+                    <a:lnB w="12700" cap="flat" cmpd="sng" algn="ctr">
+                      <a:solidFill>
+                        <a:schemeClr val="tx1"/>
+                      </a:solidFill>
+                      <a:prstDash val="solid"/>
+                      <a:round/>
+                      <a:headEnd type="none" w="med" len="med"/>
+                      <a:tailEnd type="none" w="med" len="med"/>
+                    </a:lnB>
+                    <a:noFill/>
+                  </a:tcPr>
+                </a:tc>
+                <a:tc>
+                  <a:txBody>
+                    <a:bodyPr/>
+                    <a:lstStyle/>
+                    <a:p>
+                      <a:pPr marL="285750" indent="-285750">
+                        <a:buFont typeface="Arial" panose="020B0604020202020204" pitchFamily="34" charset="0"/>
+                        <a:buChar char="•"/>
+                      </a:pPr>
+                      <a:r>
+                        <a:rPr lang="cs-CZ" dirty="0">
+                          <a:solidFill>
+                            <a:schemeClr val="tx1"/>
+                          </a:solidFill>
+                        </a:rPr>
+                        <a:t>V mnoha případech nutnost existence dodatečných informací k učení</a:t>
+                      </a:r>
+                    </a:p>
+                    <a:p>
+                      <a:pPr marL="285750" indent="-285750">
+                        <a:buFont typeface="Arial" panose="020B0604020202020204" pitchFamily="34" charset="0"/>
+                        <a:buChar char="•"/>
+                      </a:pPr>
+                      <a:r>
+                        <a:rPr lang="cs-CZ" dirty="0">
+                          <a:solidFill>
+                            <a:schemeClr val="tx1"/>
+                          </a:solidFill>
+                        </a:rPr>
+                        <a:t>Šum v datech, špatně navržená trénovací data</a:t>
+                      </a:r>
+                    </a:p>
+                  </a:txBody>
+                  <a:tcPr>
+                    <a:lnL w="12700" cap="flat" cmpd="sng" algn="ctr">
+                      <a:solidFill>
+                        <a:schemeClr val="tx1"/>
+                      </a:solidFill>
+                      <a:prstDash val="solid"/>
+                      <a:round/>
+                      <a:headEnd type="none" w="med" len="med"/>
+                      <a:tailEnd type="none" w="med" len="med"/>
+                    </a:lnL>
+                    <a:lnR w="12700" cap="flat" cmpd="sng" algn="ctr">
+                      <a:solidFill>
+                        <a:schemeClr val="tx1"/>
+                      </a:solidFill>
+                      <a:prstDash val="solid"/>
+                      <a:round/>
+                      <a:headEnd type="none" w="med" len="med"/>
+                      <a:tailEnd type="none" w="med" len="med"/>
+                    </a:lnR>
+                    <a:lnT w="12700" cap="flat" cmpd="sng" algn="ctr">
+                      <a:solidFill>
+                        <a:schemeClr val="tx1"/>
+                      </a:solidFill>
+                      <a:prstDash val="solid"/>
+                      <a:round/>
+                      <a:headEnd type="none" w="med" len="med"/>
+                      <a:tailEnd type="none" w="med" len="med"/>
+                    </a:lnT>
+                    <a:lnB w="12700" cap="flat" cmpd="sng" algn="ctr">
+                      <a:solidFill>
+                        <a:schemeClr val="tx1"/>
+                      </a:solidFill>
+                      <a:prstDash val="solid"/>
+                      <a:round/>
+                      <a:headEnd type="none" w="med" len="med"/>
+                      <a:tailEnd type="none" w="med" len="med"/>
+                    </a:lnB>
+                    <a:noFill/>
+                  </a:tcPr>
+                </a:tc>
+                <a:tc>
+                  <a:txBody>
+                    <a:bodyPr/>
+                    <a:lstStyle/>
+                    <a:p>
+                      <a:pPr marL="285750" indent="-285750">
+                        <a:buFont typeface="Arial" panose="020B0604020202020204" pitchFamily="34" charset="0"/>
+                        <a:buChar char="•"/>
+                      </a:pPr>
+                      <a:r>
+                        <a:rPr lang="cs-CZ" dirty="0">
+                          <a:solidFill>
+                            <a:schemeClr val="tx1"/>
+                          </a:solidFill>
+                        </a:rPr>
+                        <a:t>Časová a výpočetní náročnost</a:t>
+                      </a:r>
+                    </a:p>
+                    <a:p>
+                      <a:pPr marL="285750" indent="-285750">
+                        <a:buFont typeface="Arial" panose="020B0604020202020204" pitchFamily="34" charset="0"/>
+                        <a:buChar char="•"/>
+                      </a:pPr>
+                      <a:r>
+                        <a:rPr lang="cs-CZ" dirty="0">
+                          <a:solidFill>
+                            <a:schemeClr val="tx1"/>
+                          </a:solidFill>
+                        </a:rPr>
+                        <a:t>Návrh vhodné fitness funkce</a:t>
+                      </a:r>
+                    </a:p>
+                    <a:p>
+                      <a:pPr marL="285750" indent="-285750">
+                        <a:buFont typeface="Arial" panose="020B0604020202020204" pitchFamily="34" charset="0"/>
+                        <a:buChar char="•"/>
+                      </a:pPr>
+                      <a:r>
+                        <a:rPr lang="cs-CZ" dirty="0">
+                          <a:solidFill>
+                            <a:schemeClr val="tx1"/>
+                          </a:solidFill>
+                        </a:rPr>
+                        <a:t>Horší interpretovatelnost</a:t>
+                      </a:r>
+                    </a:p>
+                    <a:p>
+                      <a:pPr marL="285750" indent="-285750">
+                        <a:buFont typeface="Arial" panose="020B0604020202020204" pitchFamily="34" charset="0"/>
+                        <a:buChar char="•"/>
+                      </a:pPr>
+                      <a:r>
+                        <a:rPr lang="cs-CZ" dirty="0">
+                          <a:solidFill>
+                            <a:schemeClr val="tx1"/>
+                          </a:solidFill>
+                        </a:rPr>
+                        <a:t>GA nejsou vždy nejvhodnějším způsobem řešení daného problému</a:t>
+                      </a:r>
+                    </a:p>
+                  </a:txBody>
+                  <a:tcPr>
+                    <a:lnL w="12700" cap="flat" cmpd="sng" algn="ctr">
+                      <a:solidFill>
+                        <a:schemeClr val="tx1"/>
+                      </a:solidFill>
+                      <a:prstDash val="solid"/>
+                      <a:round/>
+                      <a:headEnd type="none" w="med" len="med"/>
+                      <a:tailEnd type="none" w="med" len="med"/>
+                    </a:lnL>
+                    <a:lnR w="12700" cap="flat" cmpd="sng" algn="ctr">
+                      <a:solidFill>
+                        <a:schemeClr val="tx1"/>
+                      </a:solidFill>
+                      <a:prstDash val="solid"/>
+                      <a:round/>
+                      <a:headEnd type="none" w="med" len="med"/>
+                      <a:tailEnd type="none" w="med" len="med"/>
+                    </a:lnR>
+                    <a:lnT w="12700" cap="flat" cmpd="sng" algn="ctr">
+                      <a:solidFill>
+                        <a:schemeClr val="tx1"/>
+                      </a:solidFill>
+                      <a:prstDash val="solid"/>
+                      <a:round/>
+                      <a:headEnd type="none" w="med" len="med"/>
+                      <a:tailEnd type="none" w="med" len="med"/>
+                    </a:lnT>
+                    <a:lnB w="12700" cap="flat" cmpd="sng" algn="ctr">
+                      <a:solidFill>
+                        <a:schemeClr val="tx1"/>
+                      </a:solidFill>
+                      <a:prstDash val="solid"/>
+                      <a:round/>
+                      <a:headEnd type="none" w="med" len="med"/>
+                      <a:tailEnd type="none" w="med" len="med"/>
+                    </a:lnB>
+                    <a:noFill/>
+                  </a:tcPr>
+                </a:tc>
+                <a:extLst>
+                  <a:ext uri="{0D108BD9-81ED-4DB2-BD59-A6C34878D82A}">
+                    <a16:rowId xmlns:a16="http://schemas.microsoft.com/office/drawing/2014/main" val="3515927425"/>
+                  </a:ext>
+                </a:extLst>
+              </a:tr>
+            </a:tbl>
+          </a:graphicData>
+        </a:graphic>
+      </p:graphicFrame>
     </p:spTree>
     <p:extLst>
       <p:ext uri="{BB962C8B-B14F-4D97-AF65-F5344CB8AC3E}">

--- a/Obhajoba_KAL0266.pptx
+++ b/Obhajoba_KAL0266.pptx
@@ -247,7 +247,7 @@
           <a:p>
             <a:fld id="{A70746FA-9F78-5A43-BFD1-03D27A7F3C92}" type="datetimeFigureOut">
               <a:rPr lang="cs-CZ" smtClean="0"/>
-              <a:t>26.07.2023</a:t>
+              <a:t>02.08.2023</a:t>
             </a:fld>
             <a:endParaRPr lang="cs-CZ"/>
           </a:p>
@@ -425,7 +425,7 @@
           <a:p>
             <a:fld id="{D092D10F-BC7E-0545-A8D3-D708044527A6}" type="datetimeFigureOut">
               <a:rPr lang="cs-CZ" smtClean="0"/>
-              <a:t>26.07.2023</a:t>
+              <a:t>02.08.2023</a:t>
             </a:fld>
             <a:endParaRPr lang="cs-CZ"/>
           </a:p>
@@ -8577,7 +8577,7 @@
           <a:p>
             <a:r>
               <a:rPr lang="cs-CZ" dirty="0"/>
-              <a:t>18/07/2023</a:t>
+              <a:t>20/07/2023</a:t>
             </a:r>
           </a:p>
         </p:txBody>
@@ -8777,7 +8777,7 @@
           <a:p>
             <a:r>
               <a:rPr lang="cs-CZ" dirty="0"/>
-              <a:t>18/07/2023</a:t>
+              <a:t>20/07/2023</a:t>
             </a:r>
           </a:p>
         </p:txBody>
@@ -9144,7 +9144,7 @@
           <a:p>
             <a:r>
               <a:rPr lang="cs-CZ" dirty="0"/>
-              <a:t>24/05/2023</a:t>
+              <a:t>20/07/2023</a:t>
             </a:r>
           </a:p>
         </p:txBody>
@@ -9540,7 +9540,7 @@
           <a:p>
             <a:r>
               <a:rPr lang="cs-CZ" dirty="0"/>
-              <a:t>18/07/2023</a:t>
+              <a:t>20/07/2023</a:t>
             </a:r>
           </a:p>
         </p:txBody>
@@ -9883,7 +9883,7 @@
             <a:pPr lvl="1"/>
             <a:r>
               <a:rPr lang="cs-CZ" sz="2200" dirty="0"/>
-              <a:t>Učení pomocí symbolické reprezentace znalostí</a:t>
+              <a:t>Symbolická reprezentace znalostí</a:t>
             </a:r>
           </a:p>
           <a:p>
@@ -9990,7 +9990,7 @@
           <a:p>
             <a:r>
               <a:rPr lang="cs-CZ" dirty="0"/>
-              <a:t>18/07/2023</a:t>
+              <a:t>20/07/2023</a:t>
             </a:r>
           </a:p>
         </p:txBody>
@@ -10534,8 +10534,13 @@
             </a:pPr>
             <a:r>
               <a:rPr lang="cs-CZ" dirty="0"/>
-              <a:t>Rozpoznávající reprezentace tvaru oblouk</a:t>
-            </a:r>
+              <a:t>Rozpoznávající reprezentace </a:t>
+            </a:r>
+            <a:r>
+              <a:rPr lang="cs-CZ"/>
+              <a:t>tvaru oblouku</a:t>
+            </a:r>
+            <a:endParaRPr lang="cs-CZ" dirty="0"/>
           </a:p>
           <a:p>
             <a:pPr marL="342900" indent="-342900">
@@ -10880,10 +10885,9 @@
               </a:spcAft>
             </a:pPr>
             <a:r>
-              <a:rPr lang="cs-CZ"/>
-              <a:t>18/07/2023</a:t>
-            </a:r>
-            <a:endParaRPr lang="cs-CZ" dirty="0"/>
+              <a:rPr lang="cs-CZ" dirty="0"/>
+              <a:t>20/07/2023</a:t>
+            </a:r>
           </a:p>
         </p:txBody>
       </p:sp>
@@ -11114,7 +11118,7 @@
           <a:p>
             <a:r>
               <a:rPr lang="cs-CZ" dirty="0"/>
-              <a:t>18/07/2023</a:t>
+              <a:t>20/07/2023</a:t>
             </a:r>
           </a:p>
         </p:txBody>
@@ -11493,7 +11497,7 @@
             </a:pPr>
             <a:r>
               <a:rPr lang="cs-CZ" dirty="0"/>
-              <a:t>Postupné generování populací jedinců k dosažení cíle</a:t>
+              <a:t>Operace selekce, křížení a mutace </a:t>
             </a:r>
           </a:p>
           <a:p>
@@ -11503,7 +11507,7 @@
             </a:pPr>
             <a:r>
               <a:rPr lang="cs-CZ" dirty="0"/>
-              <a:t>Operace selekce, křížení a mutace </a:t>
+              <a:t>Postupné generování populací jedinců k dosažení cíle</a:t>
             </a:r>
           </a:p>
         </p:txBody>
@@ -11603,7 +11607,7 @@
             </a:pPr>
             <a:r>
               <a:rPr lang="cs-CZ" dirty="0"/>
-              <a:t>18/07/2023</a:t>
+              <a:t>20/07/2023</a:t>
             </a:r>
           </a:p>
         </p:txBody>
@@ -11835,7 +11839,7 @@
           <a:p>
             <a:r>
               <a:rPr lang="cs-CZ" dirty="0"/>
-              <a:t>18/07/2023</a:t>
+              <a:t>20/07/2023</a:t>
             </a:r>
           </a:p>
         </p:txBody>
